--- a/doc/ppt/第二阶段/24 nginx 控制浏览器缓存.pptx
+++ b/doc/ppt/第二阶段/24 nginx 控制浏览器缓存.pptx
@@ -3106,6 +3106,59 @@
           </a:prstGeom>
         </p:spPr>
       </p:pic>
+      <p:sp>
+        <p:nvSpPr>
+          <p:cNvPr id="3" name="文本框 2"/>
+          <p:cNvSpPr txBox="1"/>
+          <p:nvPr/>
+        </p:nvSpPr>
+        <p:spPr>
+          <a:xfrm>
+            <a:off x="1219200" y="5638800"/>
+            <a:ext cx="7965129" cy="646331"/>
+          </a:xfrm>
+          <a:prstGeom prst="rect">
+            <a:avLst/>
+          </a:prstGeom>
+          <a:noFill/>
+        </p:spPr>
+        <p:txBody>
+          <a:bodyPr wrap="none" rtlCol="0">
+            <a:spAutoFit/>
+          </a:bodyPr>
+          <a:lstStyle/>
+          <a:p>
+            <a:r>
+              <a:rPr lang="zh-CN" altLang="en-US" dirty="0" smtClean="0"/>
+              <a:t>如果上游服务器里包含静态资源，那么这些静态资源可以被缓存到</a:t>
+            </a:r>
+            <a:r>
+              <a:rPr lang="en-US" altLang="zh-CN" dirty="0" err="1" smtClean="0"/>
+              <a:t>nginx</a:t>
+            </a:r>
+            <a:r>
+              <a:rPr lang="zh-CN" altLang="en-US" dirty="0" smtClean="0"/>
+              <a:t>端。</a:t>
+            </a:r>
+            <a:endParaRPr lang="en-US" altLang="zh-CN" dirty="0" smtClean="0"/>
+          </a:p>
+          <a:p>
+            <a:r>
+              <a:rPr lang="zh-CN" altLang="en-US" dirty="0" smtClean="0"/>
+              <a:t>而</a:t>
+            </a:r>
+            <a:r>
+              <a:rPr lang="en-US" altLang="zh-CN" dirty="0" err="1" smtClean="0"/>
+              <a:t>nginx</a:t>
+            </a:r>
+            <a:r>
+              <a:rPr lang="zh-CN" altLang="en-US" dirty="0" smtClean="0"/>
+              <a:t>里部署的静态资源文件，可以缓存到浏览器。</a:t>
+            </a:r>
+            <a:endParaRPr lang="zh-CN" altLang="en-US" dirty="0"/>
+          </a:p>
+        </p:txBody>
+      </p:sp>
     </p:spTree>
   </p:cSld>
   <p:clrMapOvr>
